--- a/tolgagureli.pptx
+++ b/tolgagureli.pptx
@@ -59,7 +59,12 @@
     <p:sldId id="308" r:id="rId53"/>
     <p:sldId id="309" r:id="rId54"/>
     <p:sldId id="312" r:id="rId55"/>
-    <p:sldId id="311" r:id="rId56"/>
+    <p:sldId id="313" r:id="rId56"/>
+    <p:sldId id="311" r:id="rId57"/>
+    <p:sldId id="314" r:id="rId58"/>
+    <p:sldId id="315" r:id="rId59"/>
+    <p:sldId id="316" r:id="rId60"/>
+    <p:sldId id="317" r:id="rId61"/>
   </p:sldIdLst>
   <p:sldSz cx="12192000" cy="6858000"/>
   <p:notesSz cx="6858000" cy="9144000"/>
@@ -233,7 +238,12 @@
             <p14:sldId id="308"/>
             <p14:sldId id="309"/>
             <p14:sldId id="312"/>
+            <p14:sldId id="313"/>
             <p14:sldId id="311"/>
+            <p14:sldId id="314"/>
+            <p14:sldId id="315"/>
+            <p14:sldId id="316"/>
+            <p14:sldId id="317"/>
           </p14:sldIdLst>
         </p14:section>
       </p14:sectionLst>
@@ -10598,8 +10608,12 @@
           <a:lstStyle/>
           <a:p>
             <a:r>
-              <a:rPr lang="tr-TR" dirty="0"/>
-              <a:t>Mb-md-0 Nedir? </a:t>
+              <a:rPr lang="tr-TR" dirty="0" err="1"/>
+              <a:t>Mb</a:t>
+            </a:r>
+            <a:r>
+              <a:rPr lang="tr-TR" dirty="0"/>
+              <a:t> ve md Nedir? </a:t>
             </a:r>
           </a:p>
         </p:txBody>
@@ -11483,6 +11497,151 @@
           <p:cNvPr id="2" name="Title 1">
             <a:extLst>
               <a:ext uri="{FF2B5EF4-FFF2-40B4-BE49-F238E27FC236}">
+                <a16:creationId xmlns:a16="http://schemas.microsoft.com/office/drawing/2014/main" id="{71609481-39BA-4B0F-ABB1-1A9AACB8E155}"/>
+              </a:ext>
+            </a:extLst>
+          </p:cNvPr>
+          <p:cNvSpPr>
+            <a:spLocks noGrp="1"/>
+          </p:cNvSpPr>
+          <p:nvPr>
+            <p:ph type="title"/>
+          </p:nvPr>
+        </p:nvSpPr>
+        <p:spPr/>
+        <p:txBody>
+          <a:bodyPr/>
+          <a:lstStyle/>
+          <a:p>
+            <a:r>
+              <a:rPr lang="tr-TR" dirty="0" err="1"/>
+              <a:t>text-shadows</a:t>
+            </a:r>
+            <a:r>
+              <a:rPr lang="tr-TR" dirty="0"/>
+              <a:t> nedir?</a:t>
+            </a:r>
+          </a:p>
+        </p:txBody>
+      </p:sp>
+      <p:sp>
+        <p:nvSpPr>
+          <p:cNvPr id="3" name="Content Placeholder 2">
+            <a:extLst>
+              <a:ext uri="{FF2B5EF4-FFF2-40B4-BE49-F238E27FC236}">
+                <a16:creationId xmlns:a16="http://schemas.microsoft.com/office/drawing/2014/main" id="{19FFB934-F579-4A5B-9F83-F7A59A101A86}"/>
+              </a:ext>
+            </a:extLst>
+          </p:cNvPr>
+          <p:cNvSpPr>
+            <a:spLocks noGrp="1"/>
+          </p:cNvSpPr>
+          <p:nvPr>
+            <p:ph idx="1"/>
+          </p:nvPr>
+        </p:nvSpPr>
+        <p:spPr>
+          <a:xfrm>
+            <a:off x="838200" y="1825625"/>
+            <a:ext cx="10515600" cy="4351338"/>
+          </a:xfrm>
+        </p:spPr>
+        <p:txBody>
+          <a:bodyPr>
+            <a:normAutofit fontScale="92500" lnSpcReduction="20000"/>
+          </a:bodyPr>
+          <a:lstStyle/>
+          <a:p>
+            <a:r>
+              <a:rPr lang="tr-TR" dirty="0"/>
+              <a:t>Bu özellik bir element içindeki metne bir veya daha fazla gölge vermek için kullanılır. Aldığı değerler belli sıralaması vardır.</a:t>
+            </a:r>
+          </a:p>
+          <a:p>
+            <a:pPr marL="914400" lvl="2" indent="0">
+              <a:buNone/>
+            </a:pPr>
+            <a:r>
+              <a:rPr lang="en-US" i="1" dirty="0"/>
+              <a:t>.title {text-shadow: 3px 2px 1px #000;}</a:t>
+            </a:r>
+            <a:endParaRPr lang="tr-TR" i="1" dirty="0"/>
+          </a:p>
+          <a:p>
+            <a:r>
+              <a:rPr lang="tr-TR" dirty="0"/>
+              <a:t>3px; İlk değer yataydaki mesafe içindir Artı değerler metnin sağından itibaren uzaklık değeridir, negatif değerler metnin soluna doğru mesafeyi gösterir.</a:t>
+            </a:r>
+          </a:p>
+          <a:p>
+            <a:r>
+              <a:rPr lang="tr-TR" dirty="0"/>
+              <a:t>2px; İkinci değer dikeydeki mesafe içindir. Artı değerler metnin altına doğru mesafeyi gösterir, eksi değerler ise metnin üstüne doğru mesafesini gösterir.</a:t>
+            </a:r>
+          </a:p>
+          <a:p>
+            <a:r>
+              <a:rPr lang="tr-TR" dirty="0"/>
+              <a:t>1px; Bulanıklık(</a:t>
+            </a:r>
+            <a:r>
+              <a:rPr lang="tr-TR" dirty="0" err="1"/>
+              <a:t>blur</a:t>
+            </a:r>
+            <a:r>
+              <a:rPr lang="tr-TR" dirty="0"/>
+              <a:t>) değeridir. Gölgelerin gerçeğe yaklaşması için kullanılır. Bulanık yatay ve dikey için verilen değerler göre şekil alır.</a:t>
+            </a:r>
+          </a:p>
+          <a:p>
+            <a:r>
+              <a:rPr lang="tr-TR" dirty="0"/>
+              <a:t>#000; renk değeri. Gölgenin renk değerini gösterir.</a:t>
+            </a:r>
+          </a:p>
+          <a:p>
+            <a:pPr marL="914400" lvl="2" indent="0">
+              <a:buNone/>
+            </a:pPr>
+            <a:endParaRPr lang="tr-TR" i="1" dirty="0"/>
+          </a:p>
+        </p:txBody>
+      </p:sp>
+    </p:spTree>
+    <p:extLst>
+      <p:ext uri="{BB962C8B-B14F-4D97-AF65-F5344CB8AC3E}">
+        <p14:creationId xmlns:p14="http://schemas.microsoft.com/office/powerpoint/2010/main" val="2657147394"/>
+      </p:ext>
+    </p:extLst>
+  </p:cSld>
+  <p:clrMapOvr>
+    <a:masterClrMapping/>
+  </p:clrMapOvr>
+</p:sld>
+</file>
+
+<file path=ppt/slides/slide56.xml><?xml version="1.0" encoding="utf-8"?>
+<p:sld xmlns:a="http://schemas.openxmlformats.org/drawingml/2006/main" xmlns:r="http://schemas.openxmlformats.org/officeDocument/2006/relationships" xmlns:p="http://schemas.openxmlformats.org/presentationml/2006/main">
+  <p:cSld>
+    <p:spTree>
+      <p:nvGrpSpPr>
+        <p:cNvPr id="1" name=""/>
+        <p:cNvGrpSpPr/>
+        <p:nvPr/>
+      </p:nvGrpSpPr>
+      <p:grpSpPr>
+        <a:xfrm>
+          <a:off x="0" y="0"/>
+          <a:ext cx="0" cy="0"/>
+          <a:chOff x="0" y="0"/>
+          <a:chExt cx="0" cy="0"/>
+        </a:xfrm>
+      </p:grpSpPr>
+      <p:sp>
+        <p:nvSpPr>
+          <p:cNvPr id="2" name="Title 1">
+            <a:extLst>
+              <a:ext uri="{FF2B5EF4-FFF2-40B4-BE49-F238E27FC236}">
                 <a16:creationId xmlns:a16="http://schemas.microsoft.com/office/drawing/2014/main" id="{E092B695-AA19-4012-AEA6-D440E0DEC3E5}"/>
               </a:ext>
             </a:extLst>
@@ -11631,6 +11790,614 @@
 </p:sld>
 </file>
 
+<file path=ppt/slides/slide57.xml><?xml version="1.0" encoding="utf-8"?>
+<p:sld xmlns:a="http://schemas.openxmlformats.org/drawingml/2006/main" xmlns:r="http://schemas.openxmlformats.org/officeDocument/2006/relationships" xmlns:p="http://schemas.openxmlformats.org/presentationml/2006/main">
+  <p:cSld>
+    <p:spTree>
+      <p:nvGrpSpPr>
+        <p:cNvPr id="1" name=""/>
+        <p:cNvGrpSpPr/>
+        <p:nvPr/>
+      </p:nvGrpSpPr>
+      <p:grpSpPr>
+        <a:xfrm>
+          <a:off x="0" y="0"/>
+          <a:ext cx="0" cy="0"/>
+          <a:chOff x="0" y="0"/>
+          <a:chExt cx="0" cy="0"/>
+        </a:xfrm>
+      </p:grpSpPr>
+      <p:sp>
+        <p:nvSpPr>
+          <p:cNvPr id="2" name="Title 1">
+            <a:extLst>
+              <a:ext uri="{FF2B5EF4-FFF2-40B4-BE49-F238E27FC236}">
+                <a16:creationId xmlns:a16="http://schemas.microsoft.com/office/drawing/2014/main" id="{125715F6-3A56-4051-99E0-7A0572E16E65}"/>
+              </a:ext>
+            </a:extLst>
+          </p:cNvPr>
+          <p:cNvSpPr>
+            <a:spLocks noGrp="1"/>
+          </p:cNvSpPr>
+          <p:nvPr>
+            <p:ph type="title"/>
+          </p:nvPr>
+        </p:nvSpPr>
+        <p:spPr/>
+        <p:txBody>
+          <a:bodyPr/>
+          <a:lstStyle/>
+          <a:p>
+            <a:r>
+              <a:rPr lang="tr-TR" dirty="0" err="1"/>
+              <a:t>Fast-Forward</a:t>
+            </a:r>
+            <a:r>
+              <a:rPr lang="tr-TR" dirty="0"/>
+              <a:t> nedir?</a:t>
+            </a:r>
+          </a:p>
+        </p:txBody>
+      </p:sp>
+      <p:sp>
+        <p:nvSpPr>
+          <p:cNvPr id="3" name="Content Placeholder 2">
+            <a:extLst>
+              <a:ext uri="{FF2B5EF4-FFF2-40B4-BE49-F238E27FC236}">
+                <a16:creationId xmlns:a16="http://schemas.microsoft.com/office/drawing/2014/main" id="{54620331-181B-4B06-AF45-62184E88F81A}"/>
+              </a:ext>
+            </a:extLst>
+          </p:cNvPr>
+          <p:cNvSpPr>
+            <a:spLocks noGrp="1"/>
+          </p:cNvSpPr>
+          <p:nvPr>
+            <p:ph idx="1"/>
+          </p:nvPr>
+        </p:nvSpPr>
+        <p:spPr/>
+        <p:txBody>
+          <a:bodyPr/>
+          <a:lstStyle/>
+          <a:p>
+            <a:r>
+              <a:rPr lang="tr-TR" dirty="0" err="1"/>
+              <a:t>Fast-Forward</a:t>
+            </a:r>
+            <a:r>
+              <a:rPr lang="tr-TR" dirty="0"/>
+              <a:t> </a:t>
+            </a:r>
+            <a:r>
+              <a:rPr lang="tr-TR" dirty="0" err="1"/>
+              <a:t>Merge</a:t>
+            </a:r>
+            <a:r>
+              <a:rPr lang="tr-TR" dirty="0"/>
+              <a:t>: </a:t>
+            </a:r>
+            <a:r>
+              <a:rPr lang="tr-TR" dirty="0" err="1"/>
+              <a:t>Feature</a:t>
+            </a:r>
+            <a:r>
+              <a:rPr lang="tr-TR" dirty="0"/>
+              <a:t> </a:t>
+            </a:r>
+            <a:r>
+              <a:rPr lang="tr-TR" dirty="0" err="1"/>
+              <a:t>branch’iniz</a:t>
+            </a:r>
+            <a:r>
+              <a:rPr lang="tr-TR" dirty="0"/>
+              <a:t> </a:t>
+            </a:r>
+            <a:r>
+              <a:rPr lang="tr-TR" dirty="0" err="1"/>
+              <a:t>master’a</a:t>
+            </a:r>
+            <a:r>
+              <a:rPr lang="tr-TR" dirty="0"/>
+              <a:t> </a:t>
+            </a:r>
+            <a:r>
+              <a:rPr lang="tr-TR" dirty="0" err="1"/>
+              <a:t>merge</a:t>
+            </a:r>
+            <a:r>
+              <a:rPr lang="tr-TR" dirty="0"/>
+              <a:t> olacağı anda eğer </a:t>
+            </a:r>
+            <a:r>
+              <a:rPr lang="tr-TR" dirty="0" err="1"/>
+              <a:t>master</a:t>
+            </a:r>
+            <a:r>
+              <a:rPr lang="tr-TR" dirty="0"/>
+              <a:t> üzerinde bir değişiklik (</a:t>
+            </a:r>
+            <a:r>
+              <a:rPr lang="tr-TR" dirty="0" err="1"/>
+              <a:t>commit</a:t>
+            </a:r>
+            <a:r>
+              <a:rPr lang="tr-TR" dirty="0"/>
+              <a:t>) olmamışsa, git varsayılan olarak </a:t>
+            </a:r>
+            <a:r>
+              <a:rPr lang="tr-TR" dirty="0" err="1"/>
+              <a:t>master</a:t>
+            </a:r>
+            <a:r>
+              <a:rPr lang="tr-TR" dirty="0"/>
+              <a:t> hattının son </a:t>
+            </a:r>
+            <a:r>
+              <a:rPr lang="tr-TR" dirty="0" err="1"/>
+              <a:t>commit</a:t>
+            </a:r>
+            <a:r>
+              <a:rPr lang="tr-TR" dirty="0"/>
+              <a:t> </a:t>
+            </a:r>
+            <a:r>
+              <a:rPr lang="tr-TR" dirty="0" err="1"/>
+              <a:t>hash’i</a:t>
+            </a:r>
+            <a:r>
+              <a:rPr lang="tr-TR" dirty="0"/>
+              <a:t> olarak, </a:t>
+            </a:r>
+            <a:r>
+              <a:rPr lang="tr-TR" dirty="0" err="1"/>
+              <a:t>feature</a:t>
+            </a:r>
+            <a:r>
+              <a:rPr lang="tr-TR" dirty="0"/>
+              <a:t> </a:t>
+            </a:r>
+            <a:r>
+              <a:rPr lang="tr-TR" dirty="0" err="1"/>
+              <a:t>branch’in</a:t>
+            </a:r>
+            <a:r>
+              <a:rPr lang="tr-TR" dirty="0"/>
+              <a:t> </a:t>
+            </a:r>
+            <a:r>
+              <a:rPr lang="tr-TR" dirty="0" err="1"/>
+              <a:t>hash’ini</a:t>
+            </a:r>
+            <a:r>
+              <a:rPr lang="tr-TR" dirty="0"/>
+              <a:t> alır. Bu duruma </a:t>
+            </a:r>
+            <a:r>
+              <a:rPr lang="tr-TR" dirty="0" err="1"/>
+              <a:t>Fast-Forward</a:t>
+            </a:r>
+            <a:r>
+              <a:rPr lang="tr-TR" dirty="0"/>
+              <a:t> </a:t>
+            </a:r>
+            <a:r>
+              <a:rPr lang="tr-TR" dirty="0" err="1"/>
+              <a:t>Merging</a:t>
+            </a:r>
+            <a:r>
+              <a:rPr lang="tr-TR" dirty="0"/>
+              <a:t> denir.</a:t>
+            </a:r>
+          </a:p>
+          <a:p>
+            <a:r>
+              <a:rPr lang="tr-TR" dirty="0"/>
+              <a:t>Bu işlem sonrasında sanki değişiklikler </a:t>
+            </a:r>
+            <a:r>
+              <a:rPr lang="tr-TR" dirty="0" err="1"/>
+              <a:t>master</a:t>
+            </a:r>
+            <a:r>
+              <a:rPr lang="tr-TR" dirty="0"/>
+              <a:t> </a:t>
+            </a:r>
+            <a:r>
+              <a:rPr lang="tr-TR" dirty="0" err="1"/>
+              <a:t>branch’inde</a:t>
+            </a:r>
+            <a:r>
+              <a:rPr lang="tr-TR" dirty="0"/>
+              <a:t> yapılmış gibi bir </a:t>
+            </a:r>
+            <a:r>
+              <a:rPr lang="tr-TR" dirty="0" err="1"/>
+              <a:t>history</a:t>
+            </a:r>
+            <a:r>
+              <a:rPr lang="tr-TR" dirty="0"/>
+              <a:t> oluşur. Geçmiş </a:t>
+            </a:r>
+            <a:r>
+              <a:rPr lang="tr-TR" dirty="0" err="1"/>
+              <a:t>history’i</a:t>
+            </a:r>
+            <a:r>
+              <a:rPr lang="tr-TR" dirty="0"/>
+              <a:t> daha anlaşılabilir tutmak için </a:t>
+            </a:r>
+            <a:r>
+              <a:rPr lang="tr-TR" dirty="0" err="1"/>
+              <a:t>merge</a:t>
+            </a:r>
+            <a:r>
+              <a:rPr lang="tr-TR" dirty="0"/>
+              <a:t> işlemi sırasında </a:t>
+            </a:r>
+            <a:r>
+              <a:rPr lang="tr-TR" dirty="0" err="1"/>
+              <a:t>git’e</a:t>
+            </a:r>
+            <a:r>
+              <a:rPr lang="tr-TR" dirty="0"/>
+              <a:t> </a:t>
+            </a:r>
+            <a:r>
+              <a:rPr lang="tr-TR" b="1" dirty="0"/>
+              <a:t>“ — </a:t>
+            </a:r>
+            <a:r>
+              <a:rPr lang="tr-TR" b="1" dirty="0" err="1"/>
+              <a:t>no-ff</a:t>
+            </a:r>
+            <a:r>
+              <a:rPr lang="tr-TR" b="1" dirty="0"/>
+              <a:t>” </a:t>
+            </a:r>
+            <a:r>
+              <a:rPr lang="tr-TR" dirty="0"/>
+              <a:t>opsiyonu ile gidilir; bu </a:t>
+            </a:r>
+            <a:r>
+              <a:rPr lang="tr-TR" dirty="0" err="1"/>
+              <a:t>git’in</a:t>
+            </a:r>
+            <a:r>
+              <a:rPr lang="tr-TR" dirty="0"/>
+              <a:t> </a:t>
+            </a:r>
+            <a:r>
+              <a:rPr lang="tr-TR" dirty="0" err="1"/>
+              <a:t>fast-forward</a:t>
+            </a:r>
+            <a:r>
+              <a:rPr lang="tr-TR" dirty="0"/>
+              <a:t> yapmamasını ve yeni bir </a:t>
+            </a:r>
+            <a:r>
+              <a:rPr lang="tr-TR" dirty="0" err="1"/>
+              <a:t>merge</a:t>
+            </a:r>
+            <a:r>
+              <a:rPr lang="tr-TR" dirty="0"/>
+              <a:t> </a:t>
+            </a:r>
+            <a:r>
+              <a:rPr lang="tr-TR" dirty="0" err="1"/>
+              <a:t>commit</a:t>
+            </a:r>
+            <a:r>
+              <a:rPr lang="tr-TR" dirty="0"/>
+              <a:t> ile ilerlemesini sağlar.</a:t>
+            </a:r>
+          </a:p>
+        </p:txBody>
+      </p:sp>
+    </p:spTree>
+    <p:extLst>
+      <p:ext uri="{BB962C8B-B14F-4D97-AF65-F5344CB8AC3E}">
+        <p14:creationId xmlns:p14="http://schemas.microsoft.com/office/powerpoint/2010/main" val="3384065413"/>
+      </p:ext>
+    </p:extLst>
+  </p:cSld>
+  <p:clrMapOvr>
+    <a:masterClrMapping/>
+  </p:clrMapOvr>
+</p:sld>
+</file>
+
+<file path=ppt/slides/slide58.xml><?xml version="1.0" encoding="utf-8"?>
+<p:sld xmlns:a="http://schemas.openxmlformats.org/drawingml/2006/main" xmlns:r="http://schemas.openxmlformats.org/officeDocument/2006/relationships" xmlns:p="http://schemas.openxmlformats.org/presentationml/2006/main">
+  <p:cSld>
+    <p:spTree>
+      <p:nvGrpSpPr>
+        <p:cNvPr id="1" name=""/>
+        <p:cNvGrpSpPr/>
+        <p:nvPr/>
+      </p:nvGrpSpPr>
+      <p:grpSpPr>
+        <a:xfrm>
+          <a:off x="0" y="0"/>
+          <a:ext cx="0" cy="0"/>
+          <a:chOff x="0" y="0"/>
+          <a:chExt cx="0" cy="0"/>
+        </a:xfrm>
+      </p:grpSpPr>
+      <p:sp>
+        <p:nvSpPr>
+          <p:cNvPr id="2" name="Title 1">
+            <a:extLst>
+              <a:ext uri="{FF2B5EF4-FFF2-40B4-BE49-F238E27FC236}">
+                <a16:creationId xmlns:a16="http://schemas.microsoft.com/office/drawing/2014/main" id="{64002ADA-CAD2-4AEE-BC12-C21668549318}"/>
+              </a:ext>
+            </a:extLst>
+          </p:cNvPr>
+          <p:cNvSpPr>
+            <a:spLocks noGrp="1"/>
+          </p:cNvSpPr>
+          <p:nvPr>
+            <p:ph type="title"/>
+          </p:nvPr>
+        </p:nvSpPr>
+        <p:spPr/>
+        <p:txBody>
+          <a:bodyPr/>
+          <a:lstStyle/>
+          <a:p>
+            <a:r>
+              <a:rPr lang="tr-TR" dirty="0"/>
+              <a:t>git </a:t>
+            </a:r>
+            <a:r>
+              <a:rPr lang="tr-TR" dirty="0" err="1"/>
+              <a:t>rebase</a:t>
+            </a:r>
+            <a:r>
+              <a:rPr lang="tr-TR" dirty="0"/>
+              <a:t> nedir?</a:t>
+            </a:r>
+          </a:p>
+        </p:txBody>
+      </p:sp>
+      <p:sp>
+        <p:nvSpPr>
+          <p:cNvPr id="3" name="Content Placeholder 2">
+            <a:extLst>
+              <a:ext uri="{FF2B5EF4-FFF2-40B4-BE49-F238E27FC236}">
+                <a16:creationId xmlns:a16="http://schemas.microsoft.com/office/drawing/2014/main" id="{7C80C966-88B8-4C65-A3AA-2B53268A0CC4}"/>
+              </a:ext>
+            </a:extLst>
+          </p:cNvPr>
+          <p:cNvSpPr>
+            <a:spLocks noGrp="1"/>
+          </p:cNvSpPr>
+          <p:nvPr>
+            <p:ph idx="1"/>
+          </p:nvPr>
+        </p:nvSpPr>
+        <p:spPr/>
+        <p:txBody>
+          <a:bodyPr/>
+          <a:lstStyle/>
+          <a:p>
+            <a:r>
+              <a:rPr lang="tr-TR" dirty="0" err="1"/>
+              <a:t>Merge</a:t>
+            </a:r>
+            <a:r>
+              <a:rPr lang="tr-TR" dirty="0"/>
+              <a:t> gibi farklı </a:t>
+            </a:r>
+            <a:r>
+              <a:rPr lang="tr-TR" dirty="0" err="1"/>
+              <a:t>commitleri</a:t>
+            </a:r>
+            <a:r>
+              <a:rPr lang="tr-TR" dirty="0"/>
+              <a:t> bir araya getirir. </a:t>
+            </a:r>
+            <a:r>
+              <a:rPr lang="tr-TR" dirty="0" err="1"/>
+              <a:t>Merge’den</a:t>
+            </a:r>
+            <a:r>
+              <a:rPr lang="tr-TR" dirty="0"/>
+              <a:t> farkı </a:t>
+            </a:r>
+            <a:r>
+              <a:rPr lang="tr-TR" dirty="0" err="1"/>
+              <a:t>rebase</a:t>
+            </a:r>
+            <a:r>
+              <a:rPr lang="tr-TR" dirty="0"/>
+              <a:t> uygulandığı </a:t>
+            </a:r>
+            <a:r>
+              <a:rPr lang="tr-TR" dirty="0" err="1"/>
+              <a:t>branch’in</a:t>
+            </a:r>
+            <a:r>
+              <a:rPr lang="tr-TR" dirty="0"/>
+              <a:t> üzerinde yeni bir </a:t>
+            </a:r>
+            <a:r>
+              <a:rPr lang="tr-TR" dirty="0" err="1"/>
+              <a:t>merge</a:t>
+            </a:r>
+            <a:r>
+              <a:rPr lang="tr-TR" dirty="0"/>
+              <a:t> </a:t>
+            </a:r>
+            <a:r>
+              <a:rPr lang="tr-TR" dirty="0" err="1"/>
+              <a:t>commit</a:t>
+            </a:r>
+            <a:r>
+              <a:rPr lang="tr-TR" dirty="0"/>
+              <a:t> oluşturmaz.</a:t>
+            </a:r>
+          </a:p>
+        </p:txBody>
+      </p:sp>
+    </p:spTree>
+    <p:extLst>
+      <p:ext uri="{BB962C8B-B14F-4D97-AF65-F5344CB8AC3E}">
+        <p14:creationId xmlns:p14="http://schemas.microsoft.com/office/powerpoint/2010/main" val="3987521868"/>
+      </p:ext>
+    </p:extLst>
+  </p:cSld>
+  <p:clrMapOvr>
+    <a:masterClrMapping/>
+  </p:clrMapOvr>
+</p:sld>
+</file>
+
+<file path=ppt/slides/slide59.xml><?xml version="1.0" encoding="utf-8"?>
+<p:sld xmlns:a="http://schemas.openxmlformats.org/drawingml/2006/main" xmlns:r="http://schemas.openxmlformats.org/officeDocument/2006/relationships" xmlns:p="http://schemas.openxmlformats.org/presentationml/2006/main">
+  <p:cSld>
+    <p:spTree>
+      <p:nvGrpSpPr>
+        <p:cNvPr id="1" name=""/>
+        <p:cNvGrpSpPr/>
+        <p:nvPr/>
+      </p:nvGrpSpPr>
+      <p:grpSpPr>
+        <a:xfrm>
+          <a:off x="0" y="0"/>
+          <a:ext cx="0" cy="0"/>
+          <a:chOff x="0" y="0"/>
+          <a:chExt cx="0" cy="0"/>
+        </a:xfrm>
+      </p:grpSpPr>
+      <p:sp>
+        <p:nvSpPr>
+          <p:cNvPr id="2" name="Title 1">
+            <a:extLst>
+              <a:ext uri="{FF2B5EF4-FFF2-40B4-BE49-F238E27FC236}">
+                <a16:creationId xmlns:a16="http://schemas.microsoft.com/office/drawing/2014/main" id="{B42CB9B7-5CA1-437D-831E-8C5399172838}"/>
+              </a:ext>
+            </a:extLst>
+          </p:cNvPr>
+          <p:cNvSpPr>
+            <a:spLocks noGrp="1"/>
+          </p:cNvSpPr>
+          <p:nvPr>
+            <p:ph type="title"/>
+          </p:nvPr>
+        </p:nvSpPr>
+        <p:spPr/>
+        <p:txBody>
+          <a:bodyPr/>
+          <a:lstStyle/>
+          <a:p>
+            <a:r>
+              <a:rPr lang="tr-TR" dirty="0" err="1"/>
+              <a:t>fast-forward</a:t>
+            </a:r>
+            <a:r>
+              <a:rPr lang="tr-TR" dirty="0"/>
+              <a:t> nedir?</a:t>
+            </a:r>
+          </a:p>
+        </p:txBody>
+      </p:sp>
+      <p:sp>
+        <p:nvSpPr>
+          <p:cNvPr id="3" name="Content Placeholder 2">
+            <a:extLst>
+              <a:ext uri="{FF2B5EF4-FFF2-40B4-BE49-F238E27FC236}">
+                <a16:creationId xmlns:a16="http://schemas.microsoft.com/office/drawing/2014/main" id="{CC6CF450-D19D-48EC-A9DF-D1E4563369BE}"/>
+              </a:ext>
+            </a:extLst>
+          </p:cNvPr>
+          <p:cNvSpPr>
+            <a:spLocks noGrp="1"/>
+          </p:cNvSpPr>
+          <p:nvPr>
+            <p:ph idx="1"/>
+          </p:nvPr>
+        </p:nvSpPr>
+        <p:spPr/>
+        <p:txBody>
+          <a:bodyPr/>
+          <a:lstStyle/>
+          <a:p>
+            <a:r>
+              <a:rPr lang="tr-TR" dirty="0"/>
+              <a:t>Bir </a:t>
+            </a:r>
+            <a:r>
+              <a:rPr lang="tr-TR" dirty="0" err="1"/>
+              <a:t>branch’de</a:t>
+            </a:r>
+            <a:r>
+              <a:rPr lang="tr-TR" dirty="0"/>
+              <a:t> yapılmış olan değişiklikleri farklı bir </a:t>
+            </a:r>
+            <a:r>
+              <a:rPr lang="tr-TR" dirty="0" err="1"/>
+              <a:t>branch</a:t>
+            </a:r>
+            <a:r>
+              <a:rPr lang="tr-TR" dirty="0"/>
+              <a:t>(</a:t>
+            </a:r>
+            <a:r>
+              <a:rPr lang="tr-TR" dirty="0" err="1"/>
+              <a:t>örn</a:t>
+            </a:r>
+            <a:r>
+              <a:rPr lang="tr-TR" dirty="0"/>
+              <a:t>: </a:t>
+            </a:r>
+            <a:r>
+              <a:rPr lang="tr-TR" dirty="0" err="1"/>
+              <a:t>master</a:t>
+            </a:r>
+            <a:r>
+              <a:rPr lang="tr-TR" dirty="0"/>
+              <a:t>) ile birleştirirken birer </a:t>
+            </a:r>
+            <a:r>
+              <a:rPr lang="tr-TR" dirty="0" err="1"/>
+              <a:t>commit</a:t>
+            </a:r>
+            <a:r>
+              <a:rPr lang="tr-TR" dirty="0"/>
+              <a:t> olarak eklemek yerine birleşecek olan </a:t>
+            </a:r>
+            <a:r>
+              <a:rPr lang="tr-TR" dirty="0" err="1"/>
+              <a:t>branch’in</a:t>
+            </a:r>
+            <a:r>
+              <a:rPr lang="tr-TR" dirty="0"/>
+              <a:t> referansını değişiklik yapılmış olan </a:t>
+            </a:r>
+            <a:r>
+              <a:rPr lang="tr-TR" dirty="0" err="1"/>
+              <a:t>branch’in</a:t>
+            </a:r>
+            <a:r>
+              <a:rPr lang="tr-TR" dirty="0"/>
+              <a:t> referansına taşıma işlemidir.</a:t>
+            </a:r>
+          </a:p>
+        </p:txBody>
+      </p:sp>
+    </p:spTree>
+    <p:extLst>
+      <p:ext uri="{BB962C8B-B14F-4D97-AF65-F5344CB8AC3E}">
+        <p14:creationId xmlns:p14="http://schemas.microsoft.com/office/powerpoint/2010/main" val="2001770438"/>
+      </p:ext>
+    </p:extLst>
+  </p:cSld>
+  <p:clrMapOvr>
+    <a:masterClrMapping/>
+  </p:clrMapOvr>
+</p:sld>
+</file>
+
 <file path=ppt/slides/slide6.xml><?xml version="1.0" encoding="utf-8"?>
 <p:sld xmlns:a="http://schemas.openxmlformats.org/drawingml/2006/main" xmlns:r="http://schemas.openxmlformats.org/officeDocument/2006/relationships" xmlns:p="http://schemas.openxmlformats.org/presentationml/2006/main">
   <p:cSld>
@@ -11724,6 +12491,86 @@
     <p:extLst>
       <p:ext uri="{BB962C8B-B14F-4D97-AF65-F5344CB8AC3E}">
         <p14:creationId xmlns:p14="http://schemas.microsoft.com/office/powerpoint/2010/main" val="753925428"/>
+      </p:ext>
+    </p:extLst>
+  </p:cSld>
+  <p:clrMapOvr>
+    <a:masterClrMapping/>
+  </p:clrMapOvr>
+</p:sld>
+</file>
+
+<file path=ppt/slides/slide60.xml><?xml version="1.0" encoding="utf-8"?>
+<p:sld xmlns:a="http://schemas.openxmlformats.org/drawingml/2006/main" xmlns:r="http://schemas.openxmlformats.org/officeDocument/2006/relationships" xmlns:p="http://schemas.openxmlformats.org/presentationml/2006/main">
+  <p:cSld>
+    <p:spTree>
+      <p:nvGrpSpPr>
+        <p:cNvPr id="1" name=""/>
+        <p:cNvGrpSpPr/>
+        <p:nvPr/>
+      </p:nvGrpSpPr>
+      <p:grpSpPr>
+        <a:xfrm>
+          <a:off x="0" y="0"/>
+          <a:ext cx="0" cy="0"/>
+          <a:chOff x="0" y="0"/>
+          <a:chExt cx="0" cy="0"/>
+        </a:xfrm>
+      </p:grpSpPr>
+      <p:sp>
+        <p:nvSpPr>
+          <p:cNvPr id="2" name="Title 1">
+            <a:extLst>
+              <a:ext uri="{FF2B5EF4-FFF2-40B4-BE49-F238E27FC236}">
+                <a16:creationId xmlns:a16="http://schemas.microsoft.com/office/drawing/2014/main" id="{1E920E9F-A941-4529-9686-33C6BBFC8D20}"/>
+              </a:ext>
+            </a:extLst>
+          </p:cNvPr>
+          <p:cNvSpPr>
+            <a:spLocks noGrp="1"/>
+          </p:cNvSpPr>
+          <p:nvPr>
+            <p:ph type="title"/>
+          </p:nvPr>
+        </p:nvSpPr>
+        <p:spPr/>
+        <p:txBody>
+          <a:bodyPr/>
+          <a:lstStyle/>
+          <a:p>
+            <a:endParaRPr lang="tr-TR"/>
+          </a:p>
+        </p:txBody>
+      </p:sp>
+      <p:sp>
+        <p:nvSpPr>
+          <p:cNvPr id="3" name="Content Placeholder 2">
+            <a:extLst>
+              <a:ext uri="{FF2B5EF4-FFF2-40B4-BE49-F238E27FC236}">
+                <a16:creationId xmlns:a16="http://schemas.microsoft.com/office/drawing/2014/main" id="{D6AA3380-8ACC-4E77-8F3C-9FC74DBD20F8}"/>
+              </a:ext>
+            </a:extLst>
+          </p:cNvPr>
+          <p:cNvSpPr>
+            <a:spLocks noGrp="1"/>
+          </p:cNvSpPr>
+          <p:nvPr>
+            <p:ph idx="1"/>
+          </p:nvPr>
+        </p:nvSpPr>
+        <p:spPr/>
+        <p:txBody>
+          <a:bodyPr/>
+          <a:lstStyle/>
+          <a:p>
+            <a:endParaRPr lang="tr-TR"/>
+          </a:p>
+        </p:txBody>
+      </p:sp>
+    </p:spTree>
+    <p:extLst>
+      <p:ext uri="{BB962C8B-B14F-4D97-AF65-F5344CB8AC3E}">
+        <p14:creationId xmlns:p14="http://schemas.microsoft.com/office/powerpoint/2010/main" val="3678712343"/>
       </p:ext>
     </p:extLst>
   </p:cSld>

--- a/tolgagureli.pptx
+++ b/tolgagureli.pptx
@@ -62,8 +62,8 @@
     <p:sldId id="313" r:id="rId56"/>
     <p:sldId id="311" r:id="rId57"/>
     <p:sldId id="314" r:id="rId58"/>
-    <p:sldId id="315" r:id="rId59"/>
-    <p:sldId id="316" r:id="rId60"/>
+    <p:sldId id="316" r:id="rId59"/>
+    <p:sldId id="315" r:id="rId60"/>
     <p:sldId id="317" r:id="rId61"/>
   </p:sldIdLst>
   <p:sldSz cx="12192000" cy="6858000"/>
@@ -241,8 +241,8 @@
             <p14:sldId id="313"/>
             <p14:sldId id="311"/>
             <p14:sldId id="314"/>
+            <p14:sldId id="316"/>
             <p14:sldId id="315"/>
-            <p14:sldId id="316"/>
             <p14:sldId id="317"/>
           </p14:sldIdLst>
         </p14:section>
@@ -416,7 +416,7 @@
           <a:p>
             <a:fld id="{8C8EA4E9-EE63-42B6-8332-8FE9F753DDA1}" type="datetimeFigureOut">
               <a:rPr lang="tr-TR" smtClean="0"/>
-              <a:t>30.05.2022</a:t>
+              <a:t>31.05.2022</a:t>
             </a:fld>
             <a:endParaRPr lang="tr-TR"/>
           </a:p>
@@ -616,7 +616,7 @@
           <a:p>
             <a:fld id="{8C8EA4E9-EE63-42B6-8332-8FE9F753DDA1}" type="datetimeFigureOut">
               <a:rPr lang="tr-TR" smtClean="0"/>
-              <a:t>30.05.2022</a:t>
+              <a:t>31.05.2022</a:t>
             </a:fld>
             <a:endParaRPr lang="tr-TR"/>
           </a:p>
@@ -826,7 +826,7 @@
           <a:p>
             <a:fld id="{8C8EA4E9-EE63-42B6-8332-8FE9F753DDA1}" type="datetimeFigureOut">
               <a:rPr lang="tr-TR" smtClean="0"/>
-              <a:t>30.05.2022</a:t>
+              <a:t>31.05.2022</a:t>
             </a:fld>
             <a:endParaRPr lang="tr-TR"/>
           </a:p>
@@ -1026,7 +1026,7 @@
           <a:p>
             <a:fld id="{8C8EA4E9-EE63-42B6-8332-8FE9F753DDA1}" type="datetimeFigureOut">
               <a:rPr lang="tr-TR" smtClean="0"/>
-              <a:t>30.05.2022</a:t>
+              <a:t>31.05.2022</a:t>
             </a:fld>
             <a:endParaRPr lang="tr-TR"/>
           </a:p>
@@ -1302,7 +1302,7 @@
           <a:p>
             <a:fld id="{8C8EA4E9-EE63-42B6-8332-8FE9F753DDA1}" type="datetimeFigureOut">
               <a:rPr lang="tr-TR" smtClean="0"/>
-              <a:t>30.05.2022</a:t>
+              <a:t>31.05.2022</a:t>
             </a:fld>
             <a:endParaRPr lang="tr-TR"/>
           </a:p>
@@ -1570,7 +1570,7 @@
           <a:p>
             <a:fld id="{8C8EA4E9-EE63-42B6-8332-8FE9F753DDA1}" type="datetimeFigureOut">
               <a:rPr lang="tr-TR" smtClean="0"/>
-              <a:t>30.05.2022</a:t>
+              <a:t>31.05.2022</a:t>
             </a:fld>
             <a:endParaRPr lang="tr-TR"/>
           </a:p>
@@ -1985,7 +1985,7 @@
           <a:p>
             <a:fld id="{8C8EA4E9-EE63-42B6-8332-8FE9F753DDA1}" type="datetimeFigureOut">
               <a:rPr lang="tr-TR" smtClean="0"/>
-              <a:t>30.05.2022</a:t>
+              <a:t>31.05.2022</a:t>
             </a:fld>
             <a:endParaRPr lang="tr-TR"/>
           </a:p>
@@ -2127,7 +2127,7 @@
           <a:p>
             <a:fld id="{8C8EA4E9-EE63-42B6-8332-8FE9F753DDA1}" type="datetimeFigureOut">
               <a:rPr lang="tr-TR" smtClean="0"/>
-              <a:t>30.05.2022</a:t>
+              <a:t>31.05.2022</a:t>
             </a:fld>
             <a:endParaRPr lang="tr-TR"/>
           </a:p>
@@ -2240,7 +2240,7 @@
           <a:p>
             <a:fld id="{8C8EA4E9-EE63-42B6-8332-8FE9F753DDA1}" type="datetimeFigureOut">
               <a:rPr lang="tr-TR" smtClean="0"/>
-              <a:t>30.05.2022</a:t>
+              <a:t>31.05.2022</a:t>
             </a:fld>
             <a:endParaRPr lang="tr-TR"/>
           </a:p>
@@ -2553,7 +2553,7 @@
           <a:p>
             <a:fld id="{8C8EA4E9-EE63-42B6-8332-8FE9F753DDA1}" type="datetimeFigureOut">
               <a:rPr lang="tr-TR" smtClean="0"/>
-              <a:t>30.05.2022</a:t>
+              <a:t>31.05.2022</a:t>
             </a:fld>
             <a:endParaRPr lang="tr-TR"/>
           </a:p>
@@ -2842,7 +2842,7 @@
           <a:p>
             <a:fld id="{8C8EA4E9-EE63-42B6-8332-8FE9F753DDA1}" type="datetimeFigureOut">
               <a:rPr lang="tr-TR" smtClean="0"/>
-              <a:t>30.05.2022</a:t>
+              <a:t>31.05.2022</a:t>
             </a:fld>
             <a:endParaRPr lang="tr-TR"/>
           </a:p>
@@ -3085,7 +3085,7 @@
           <a:p>
             <a:fld id="{8C8EA4E9-EE63-42B6-8332-8FE9F753DDA1}" type="datetimeFigureOut">
               <a:rPr lang="tr-TR" smtClean="0"/>
-              <a:t>30.05.2022</a:t>
+              <a:t>31.05.2022</a:t>
             </a:fld>
             <a:endParaRPr lang="tr-TR"/>
           </a:p>
@@ -12128,7 +12128,7 @@
           <p:cNvPr id="2" name="Title 1">
             <a:extLst>
               <a:ext uri="{FF2B5EF4-FFF2-40B4-BE49-F238E27FC236}">
-                <a16:creationId xmlns:a16="http://schemas.microsoft.com/office/drawing/2014/main" id="{64002ADA-CAD2-4AEE-BC12-C21668549318}"/>
+                <a16:creationId xmlns:a16="http://schemas.microsoft.com/office/drawing/2014/main" id="{B42CB9B7-5CA1-437D-831E-8C5399172838}"/>
               </a:ext>
             </a:extLst>
           </p:cNvPr>
@@ -12145,12 +12145,8 @@
           <a:lstStyle/>
           <a:p>
             <a:r>
-              <a:rPr lang="tr-TR" dirty="0"/>
-              <a:t>git </a:t>
-            </a:r>
-            <a:r>
-              <a:rPr lang="tr-TR" dirty="0" err="1"/>
-              <a:t>rebase</a:t>
+              <a:rPr lang="tr-TR" dirty="0" err="1"/>
+              <a:t>fast-forward</a:t>
             </a:r>
             <a:r>
               <a:rPr lang="tr-TR" dirty="0"/>
@@ -12164,7 +12160,7 @@
           <p:cNvPr id="3" name="Content Placeholder 2">
             <a:extLst>
               <a:ext uri="{FF2B5EF4-FFF2-40B4-BE49-F238E27FC236}">
-                <a16:creationId xmlns:a16="http://schemas.microsoft.com/office/drawing/2014/main" id="{7C80C966-88B8-4C65-A3AA-2B53268A0CC4}"/>
+                <a16:creationId xmlns:a16="http://schemas.microsoft.com/office/drawing/2014/main" id="{CC6CF450-D19D-48EC-A9DF-D1E4563369BE}"/>
               </a:ext>
             </a:extLst>
           </p:cNvPr>
@@ -12181,36 +12177,48 @@
           <a:lstStyle/>
           <a:p>
             <a:r>
-              <a:rPr lang="tr-TR" dirty="0" err="1"/>
-              <a:t>Merge</a:t>
-            </a:r>
-            <a:r>
-              <a:rPr lang="tr-TR" dirty="0"/>
-              <a:t> gibi farklı </a:t>
-            </a:r>
-            <a:r>
-              <a:rPr lang="tr-TR" dirty="0" err="1"/>
-              <a:t>commitleri</a:t>
-            </a:r>
-            <a:r>
-              <a:rPr lang="tr-TR" dirty="0"/>
-              <a:t> bir araya getirir. </a:t>
-            </a:r>
-            <a:r>
-              <a:rPr lang="tr-TR" dirty="0" err="1"/>
-              <a:t>Merge’den</a:t>
-            </a:r>
-            <a:r>
-              <a:rPr lang="tr-TR" dirty="0"/>
-              <a:t> farkı </a:t>
-            </a:r>
-            <a:r>
-              <a:rPr lang="tr-TR" dirty="0" err="1"/>
-              <a:t>rebase</a:t>
-            </a:r>
-            <a:r>
-              <a:rPr lang="tr-TR" dirty="0"/>
-              <a:t> uygulandığı </a:t>
+              <a:rPr lang="tr-TR" dirty="0"/>
+              <a:t>Bir </a:t>
+            </a:r>
+            <a:r>
+              <a:rPr lang="tr-TR" dirty="0" err="1"/>
+              <a:t>branch’de</a:t>
+            </a:r>
+            <a:r>
+              <a:rPr lang="tr-TR" dirty="0"/>
+              <a:t> yapılmış olan değişiklikleri farklı bir </a:t>
+            </a:r>
+            <a:r>
+              <a:rPr lang="tr-TR" dirty="0" err="1"/>
+              <a:t>branch</a:t>
+            </a:r>
+            <a:r>
+              <a:rPr lang="tr-TR" dirty="0"/>
+              <a:t>(</a:t>
+            </a:r>
+            <a:r>
+              <a:rPr lang="tr-TR" dirty="0" err="1"/>
+              <a:t>örn</a:t>
+            </a:r>
+            <a:r>
+              <a:rPr lang="tr-TR" dirty="0"/>
+              <a:t>: </a:t>
+            </a:r>
+            <a:r>
+              <a:rPr lang="tr-TR" dirty="0" err="1"/>
+              <a:t>master</a:t>
+            </a:r>
+            <a:r>
+              <a:rPr lang="tr-TR" dirty="0"/>
+              <a:t>) ile birleştirirken birer </a:t>
+            </a:r>
+            <a:r>
+              <a:rPr lang="tr-TR" dirty="0" err="1"/>
+              <a:t>commit</a:t>
+            </a:r>
+            <a:r>
+              <a:rPr lang="tr-TR" dirty="0"/>
+              <a:t> olarak eklemek yerine birleşecek olan </a:t>
             </a:r>
             <a:r>
               <a:rPr lang="tr-TR" dirty="0" err="1"/>
@@ -12218,23 +12226,15 @@
             </a:r>
             <a:r>
               <a:rPr lang="tr-TR" dirty="0"/>
-              <a:t> üzerinde yeni bir </a:t>
-            </a:r>
-            <a:r>
-              <a:rPr lang="tr-TR" dirty="0" err="1"/>
-              <a:t>merge</a:t>
-            </a:r>
-            <a:r>
-              <a:rPr lang="tr-TR" dirty="0"/>
-              <a:t> </a:t>
-            </a:r>
-            <a:r>
-              <a:rPr lang="tr-TR" dirty="0" err="1"/>
-              <a:t>commit</a:t>
-            </a:r>
-            <a:r>
-              <a:rPr lang="tr-TR" dirty="0"/>
-              <a:t> oluşturmaz.</a:t>
+              <a:t> referansını değişiklik yapılmış olan </a:t>
+            </a:r>
+            <a:r>
+              <a:rPr lang="tr-TR" dirty="0" err="1"/>
+              <a:t>branch’in</a:t>
+            </a:r>
+            <a:r>
+              <a:rPr lang="tr-TR" dirty="0"/>
+              <a:t> referansına taşıma işlemidir.</a:t>
             </a:r>
           </a:p>
         </p:txBody>
@@ -12242,7 +12242,7 @@
     </p:spTree>
     <p:extLst>
       <p:ext uri="{BB962C8B-B14F-4D97-AF65-F5344CB8AC3E}">
-        <p14:creationId xmlns:p14="http://schemas.microsoft.com/office/powerpoint/2010/main" val="3987521868"/>
+        <p14:creationId xmlns:p14="http://schemas.microsoft.com/office/powerpoint/2010/main" val="2001770438"/>
       </p:ext>
     </p:extLst>
   </p:cSld>
@@ -12274,7 +12274,7 @@
           <p:cNvPr id="2" name="Title 1">
             <a:extLst>
               <a:ext uri="{FF2B5EF4-FFF2-40B4-BE49-F238E27FC236}">
-                <a16:creationId xmlns:a16="http://schemas.microsoft.com/office/drawing/2014/main" id="{B42CB9B7-5CA1-437D-831E-8C5399172838}"/>
+                <a16:creationId xmlns:a16="http://schemas.microsoft.com/office/drawing/2014/main" id="{64002ADA-CAD2-4AEE-BC12-C21668549318}"/>
               </a:ext>
             </a:extLst>
           </p:cNvPr>
@@ -12291,8 +12291,12 @@
           <a:lstStyle/>
           <a:p>
             <a:r>
-              <a:rPr lang="tr-TR" dirty="0" err="1"/>
-              <a:t>fast-forward</a:t>
+              <a:rPr lang="tr-TR" dirty="0"/>
+              <a:t>git </a:t>
+            </a:r>
+            <a:r>
+              <a:rPr lang="tr-TR" dirty="0" err="1"/>
+              <a:t>rebase</a:t>
             </a:r>
             <a:r>
               <a:rPr lang="tr-TR" dirty="0"/>
@@ -12306,7 +12310,7 @@
           <p:cNvPr id="3" name="Content Placeholder 2">
             <a:extLst>
               <a:ext uri="{FF2B5EF4-FFF2-40B4-BE49-F238E27FC236}">
-                <a16:creationId xmlns:a16="http://schemas.microsoft.com/office/drawing/2014/main" id="{CC6CF450-D19D-48EC-A9DF-D1E4563369BE}"/>
+                <a16:creationId xmlns:a16="http://schemas.microsoft.com/office/drawing/2014/main" id="{7C80C966-88B8-4C65-A3AA-2B53268A0CC4}"/>
               </a:ext>
             </a:extLst>
           </p:cNvPr>
@@ -12323,40 +12327,52 @@
           <a:lstStyle/>
           <a:p>
             <a:r>
-              <a:rPr lang="tr-TR" dirty="0"/>
-              <a:t>Bir </a:t>
-            </a:r>
-            <a:r>
-              <a:rPr lang="tr-TR" dirty="0" err="1"/>
-              <a:t>branch’de</a:t>
-            </a:r>
-            <a:r>
-              <a:rPr lang="tr-TR" dirty="0"/>
-              <a:t> yapılmış olan değişiklikleri farklı bir </a:t>
-            </a:r>
-            <a:r>
-              <a:rPr lang="tr-TR" dirty="0" err="1"/>
-              <a:t>branch</a:t>
-            </a:r>
-            <a:r>
-              <a:rPr lang="tr-TR" dirty="0"/>
-              <a:t>(</a:t>
-            </a:r>
-            <a:r>
-              <a:rPr lang="tr-TR" dirty="0" err="1"/>
-              <a:t>örn</a:t>
-            </a:r>
-            <a:r>
-              <a:rPr lang="tr-TR" dirty="0"/>
-              <a:t>: </a:t>
-            </a:r>
-            <a:r>
-              <a:rPr lang="tr-TR" dirty="0" err="1"/>
-              <a:t>master</a:t>
-            </a:r>
-            <a:r>
-              <a:rPr lang="tr-TR" dirty="0"/>
-              <a:t>) ile birleştirirken birer </a:t>
+              <a:rPr lang="tr-TR" dirty="0" err="1"/>
+              <a:t>Merge</a:t>
+            </a:r>
+            <a:r>
+              <a:rPr lang="tr-TR" dirty="0"/>
+              <a:t> gibi farklı </a:t>
+            </a:r>
+            <a:r>
+              <a:rPr lang="tr-TR" dirty="0" err="1"/>
+              <a:t>commitleri</a:t>
+            </a:r>
+            <a:r>
+              <a:rPr lang="tr-TR" dirty="0"/>
+              <a:t> bir araya getirir. </a:t>
+            </a:r>
+            <a:r>
+              <a:rPr lang="tr-TR" dirty="0" err="1"/>
+              <a:t>Merge’den</a:t>
+            </a:r>
+            <a:r>
+              <a:rPr lang="tr-TR" dirty="0"/>
+              <a:t> farkı </a:t>
+            </a:r>
+            <a:r>
+              <a:rPr lang="tr-TR" dirty="0" err="1"/>
+              <a:t>rebase</a:t>
+            </a:r>
+            <a:r>
+              <a:rPr lang="tr-TR" dirty="0"/>
+              <a:t> uygulandığı </a:t>
+            </a:r>
+            <a:r>
+              <a:rPr lang="tr-TR" dirty="0" err="1"/>
+              <a:t>branch’in</a:t>
+            </a:r>
+            <a:r>
+              <a:rPr lang="tr-TR" dirty="0"/>
+              <a:t> üzerinde yeni bir </a:t>
+            </a:r>
+            <a:r>
+              <a:rPr lang="tr-TR" dirty="0" err="1"/>
+              <a:t>merge</a:t>
+            </a:r>
+            <a:r>
+              <a:rPr lang="tr-TR" dirty="0"/>
+              <a:t> </a:t>
             </a:r>
             <a:r>
               <a:rPr lang="tr-TR" dirty="0" err="1"/>
@@ -12364,23 +12380,7 @@
             </a:r>
             <a:r>
               <a:rPr lang="tr-TR" dirty="0"/>
-              <a:t> olarak eklemek yerine birleşecek olan </a:t>
-            </a:r>
-            <a:r>
-              <a:rPr lang="tr-TR" dirty="0" err="1"/>
-              <a:t>branch’in</a:t>
-            </a:r>
-            <a:r>
-              <a:rPr lang="tr-TR" dirty="0"/>
-              <a:t> referansını değişiklik yapılmış olan </a:t>
-            </a:r>
-            <a:r>
-              <a:rPr lang="tr-TR" dirty="0" err="1"/>
-              <a:t>branch’in</a:t>
-            </a:r>
-            <a:r>
-              <a:rPr lang="tr-TR" dirty="0"/>
-              <a:t> referansına taşıma işlemidir.</a:t>
+              <a:t> oluşturmaz.</a:t>
             </a:r>
           </a:p>
         </p:txBody>
@@ -12388,7 +12388,7 @@
     </p:spTree>
     <p:extLst>
       <p:ext uri="{BB962C8B-B14F-4D97-AF65-F5344CB8AC3E}">
-        <p14:creationId xmlns:p14="http://schemas.microsoft.com/office/powerpoint/2010/main" val="2001770438"/>
+        <p14:creationId xmlns:p14="http://schemas.microsoft.com/office/powerpoint/2010/main" val="3987521868"/>
       </p:ext>
     </p:extLst>
   </p:cSld>
